--- a/PPT/DeepLearning08-MLP.pptx
+++ b/PPT/DeepLearning08-MLP.pptx
@@ -5,10 +5,10 @@
     <p:sldMasterId id="2147483653" r:id="rId1"/>
   </p:sldMasterIdLst>
   <p:notesMasterIdLst>
-    <p:notesMasterId r:id="rId32"/>
+    <p:notesMasterId r:id="rId31"/>
   </p:notesMasterIdLst>
   <p:handoutMasterIdLst>
-    <p:handoutMasterId r:id="rId33"/>
+    <p:handoutMasterId r:id="rId32"/>
   </p:handoutMasterIdLst>
   <p:sldIdLst>
     <p:sldId id="264" r:id="rId2"/>
@@ -31,16 +31,15 @@
     <p:sldId id="336" r:id="rId19"/>
     <p:sldId id="329" r:id="rId20"/>
     <p:sldId id="320" r:id="rId21"/>
-    <p:sldId id="334" r:id="rId22"/>
-    <p:sldId id="321" r:id="rId23"/>
-    <p:sldId id="323" r:id="rId24"/>
-    <p:sldId id="324" r:id="rId25"/>
-    <p:sldId id="326" r:id="rId26"/>
-    <p:sldId id="322" r:id="rId27"/>
-    <p:sldId id="318" r:id="rId28"/>
-    <p:sldId id="331" r:id="rId29"/>
-    <p:sldId id="333" r:id="rId30"/>
-    <p:sldId id="332" r:id="rId31"/>
+    <p:sldId id="321" r:id="rId22"/>
+    <p:sldId id="323" r:id="rId23"/>
+    <p:sldId id="324" r:id="rId24"/>
+    <p:sldId id="326" r:id="rId25"/>
+    <p:sldId id="322" r:id="rId26"/>
+    <p:sldId id="318" r:id="rId27"/>
+    <p:sldId id="331" r:id="rId28"/>
+    <p:sldId id="333" r:id="rId29"/>
+    <p:sldId id="332" r:id="rId30"/>
   </p:sldIdLst>
   <p:sldSz cx="9144000" cy="6858000" type="screen4x3"/>
   <p:notesSz cx="6648450" cy="9782175"/>
@@ -6390,13 +6389,7 @@
       </p:grpSpPr>
       <p:sp>
         <p:nvSpPr>
-          <p:cNvPr id="2" name="Titre 1">
-            <a:extLst>
-              <a:ext uri="{FF2B5EF4-FFF2-40B4-BE49-F238E27FC236}">
-                <a16:creationId xmlns:a16="http://schemas.microsoft.com/office/drawing/2014/main" id="{ECFEC4C4-87EA-450C-B88A-6D762C879A24}"/>
-              </a:ext>
-            </a:extLst>
-          </p:cNvPr>
+          <p:cNvPr id="2" name="Titre 1"/>
           <p:cNvSpPr>
             <a:spLocks noGrp="1"/>
           </p:cNvSpPr>
@@ -6410,22 +6403,15 @@
           <a:lstStyle/>
           <a:p>
             <a:r>
-              <a:rPr lang="fr-FR" dirty="0" err="1"/>
-              <a:t>dW</a:t>
-            </a:r>
-            <a:endParaRPr lang="fr-FR" dirty="0"/>
+              <a:rPr lang="fr-FR" dirty="0"/>
+              <a:t>Changement du poids</a:t>
+            </a:r>
           </a:p>
         </p:txBody>
       </p:sp>
       <p:sp>
         <p:nvSpPr>
-          <p:cNvPr id="3" name="Espace réservé du contenu 2">
-            <a:extLst>
-              <a:ext uri="{FF2B5EF4-FFF2-40B4-BE49-F238E27FC236}">
-                <a16:creationId xmlns:a16="http://schemas.microsoft.com/office/drawing/2014/main" id="{7E8D1F86-3366-4C45-B5B1-F655AD1FDE6E}"/>
-              </a:ext>
-            </a:extLst>
-          </p:cNvPr>
+          <p:cNvPr id="3" name="Espace réservé du contenu 2"/>
           <p:cNvSpPr>
             <a:spLocks noGrp="1"/>
           </p:cNvSpPr>
@@ -6438,82 +6424,39 @@
           <a:bodyPr/>
           <a:lstStyle/>
           <a:p>
-            <a:endParaRPr lang="fr-FR" dirty="0"/>
-          </a:p>
-          <a:p>
-            <a:endParaRPr lang="fr-FR" dirty="0"/>
-          </a:p>
-          <a:p>
-            <a:r>
-              <a:rPr lang="fr-FR" dirty="0"/>
-              <a:t>Neurone inputs (0.1 0.9) output = grosse erreur</a:t>
-            </a:r>
-          </a:p>
-          <a:p>
+            <a:r>
+              <a:rPr lang="fr-FR" dirty="0"/>
+              <a:t>Changement du poids</a:t>
+            </a:r>
+          </a:p>
+          <a:p>
+            <a:pPr lvl="1"/>
+            <a:r>
+              <a:rPr lang="fr-FR" dirty="0"/>
+              <a:t>Algorithme RMS</a:t>
+            </a:r>
+          </a:p>
+          <a:p>
+            <a:pPr lvl="1"/>
             <a:r>
               <a:rPr lang="fr-FR" dirty="0" err="1"/>
-              <a:t>LearningRate</a:t>
-            </a:r>
-            <a:r>
-              <a:rPr lang="fr-FR" dirty="0"/>
-              <a:t> = [1</a:t>
-            </a:r>
-            <a:r>
-              <a:rPr lang="fr-FR" baseline="30000" dirty="0"/>
-              <a:t>e</a:t>
-            </a:r>
-            <a:r>
-              <a:rPr lang="fr-FR" dirty="0"/>
-              <a:t>-2; 1</a:t>
-            </a:r>
-            <a:r>
-              <a:rPr lang="fr-FR" baseline="30000" dirty="0"/>
-              <a:t>e</a:t>
-            </a:r>
-            <a:r>
-              <a:rPr lang="fr-FR" dirty="0"/>
-              <a:t>-4]</a:t>
-            </a:r>
-          </a:p>
-          <a:p>
-            <a:endParaRPr lang="fr-FR" dirty="0"/>
-          </a:p>
-          <a:p>
+              <a:t>dW</a:t>
+            </a:r>
+            <a:r>
+              <a:rPr lang="fr-FR" dirty="0"/>
+              <a:t> = </a:t>
+            </a:r>
             <a:r>
               <a:rPr lang="fr-FR" dirty="0" err="1"/>
-              <a:t>fdW</a:t>
-            </a:r>
-            <a:r>
-              <a:rPr lang="fr-FR" dirty="0"/>
-              <a:t> = (</a:t>
+              <a:t>learningrate</a:t>
+            </a:r>
+            <a:r>
+              <a:rPr lang="fr-FR" dirty="0"/>
+              <a:t> * gradient(</a:t>
             </a:r>
             <a:r>
               <a:rPr lang="fr-FR" dirty="0" err="1"/>
-              <a:t>Loss</a:t>
-            </a:r>
-            <a:r>
-              <a:rPr lang="fr-FR" dirty="0"/>
-              <a:t> * w * </a:t>
-            </a:r>
-            <a:r>
-              <a:rPr lang="fr-FR" dirty="0" err="1"/>
-              <a:t>LearningRate</a:t>
-            </a:r>
-            <a:r>
-              <a:rPr lang="fr-FR" dirty="0"/>
-              <a:t>) / (</a:t>
-            </a:r>
-            <a:r>
-              <a:rPr lang="fr-FR" dirty="0" err="1"/>
-              <a:t>momentum</a:t>
-            </a:r>
-            <a:r>
-              <a:rPr lang="fr-FR" dirty="0"/>
-              <a:t> * </a:t>
-            </a:r>
-            <a:r>
-              <a:rPr lang="fr-FR" dirty="0" err="1"/>
-              <a:t>dfactivation</a:t>
+              <a:t>loss</a:t>
             </a:r>
             <a:r>
               <a:rPr lang="fr-FR" dirty="0"/>
@@ -6522,10 +6465,51 @@
           </a:p>
         </p:txBody>
       </p:sp>
+      <p:pic>
+        <p:nvPicPr>
+          <p:cNvPr id="7170" name="Picture 2" descr="https://miro.medium.com/max/1500/0*oqm7QVnI9-inFGCc.gif"/>
+          <p:cNvPicPr>
+            <a:picLocks noChangeAspect="1" noChangeArrowheads="1" noCrop="1"/>
+          </p:cNvPicPr>
+          <p:nvPr/>
+        </p:nvPicPr>
+        <p:blipFill>
+          <a:blip r:embed="rId2">
+            <a:extLst>
+              <a:ext uri="{28A0092B-C50C-407E-A947-70E740481C1C}">
+                <a14:useLocalDpi xmlns:a14="http://schemas.microsoft.com/office/drawing/2010/main" val="0"/>
+              </a:ext>
+            </a:extLst>
+          </a:blip>
+          <a:srcRect/>
+          <a:stretch>
+            <a:fillRect/>
+          </a:stretch>
+        </p:blipFill>
+        <p:spPr bwMode="auto">
+          <a:xfrm>
+            <a:off x="611560" y="3212976"/>
+            <a:ext cx="6768752" cy="2651095"/>
+          </a:xfrm>
+          <a:prstGeom prst="rect">
+            <a:avLst/>
+          </a:prstGeom>
+          <a:noFill/>
+          <a:extLst>
+            <a:ext uri="{909E8E84-426E-40DD-AFC4-6F175D3DCCD1}">
+              <a14:hiddenFill xmlns:a14="http://schemas.microsoft.com/office/drawing/2010/main">
+                <a:solidFill>
+                  <a:srgbClr val="FFFFFF"/>
+                </a:solidFill>
+              </a14:hiddenFill>
+            </a:ext>
+          </a:extLst>
+        </p:spPr>
+      </p:pic>
     </p:spTree>
     <p:extLst>
       <p:ext uri="{BB962C8B-B14F-4D97-AF65-F5344CB8AC3E}">
-        <p14:creationId xmlns:p14="http://schemas.microsoft.com/office/powerpoint/2010/main" val="1665010655"/>
+        <p14:creationId xmlns:p14="http://schemas.microsoft.com/office/powerpoint/2010/main" val="540926501"/>
       </p:ext>
     </p:extLst>
   </p:cSld>
@@ -6569,7 +6553,7 @@
           <a:p>
             <a:r>
               <a:rPr lang="fr-FR" dirty="0"/>
-              <a:t>Changement du poids</a:t>
+              <a:t>Learning rate</a:t>
             </a:r>
           </a:p>
         </p:txBody>
@@ -6591,50 +6575,23 @@
           <a:p>
             <a:r>
               <a:rPr lang="fr-FR" dirty="0"/>
-              <a:t>Changement du poids</a:t>
+              <a:t>Le taux d’apprentissage résout le problème des minimums locaux</a:t>
             </a:r>
           </a:p>
           <a:p>
             <a:pPr lvl="1"/>
             <a:r>
               <a:rPr lang="fr-FR" dirty="0"/>
-              <a:t>Algorithme RMS</a:t>
-            </a:r>
-          </a:p>
-          <a:p>
-            <a:pPr lvl="1"/>
-            <a:r>
-              <a:rPr lang="fr-FR" dirty="0" err="1"/>
-              <a:t>dW</a:t>
-            </a:r>
-            <a:r>
-              <a:rPr lang="fr-FR" dirty="0"/>
-              <a:t> = </a:t>
-            </a:r>
-            <a:r>
-              <a:rPr lang="fr-FR" dirty="0" err="1"/>
-              <a:t>learningrate</a:t>
-            </a:r>
-            <a:r>
-              <a:rPr lang="fr-FR" dirty="0"/>
-              <a:t> * gradient(</a:t>
-            </a:r>
-            <a:r>
-              <a:rPr lang="fr-FR" dirty="0" err="1"/>
-              <a:t>loss</a:t>
-            </a:r>
-            <a:r>
-              <a:rPr lang="fr-FR" dirty="0"/>
-              <a:t>)</a:t>
+              <a:t>Entre 0.01 et 0.00001</a:t>
             </a:r>
           </a:p>
         </p:txBody>
       </p:sp>
       <p:pic>
         <p:nvPicPr>
-          <p:cNvPr id="7170" name="Picture 2" descr="https://miro.medium.com/max/1500/0*oqm7QVnI9-inFGCc.gif"/>
+          <p:cNvPr id="13314" name="Picture 2" descr="https://miro.medium.com/max/700/0*G8a4jCsMLJ7xNQNt.png"/>
           <p:cNvPicPr>
-            <a:picLocks noChangeAspect="1" noChangeArrowheads="1" noCrop="1"/>
+            <a:picLocks noChangeAspect="1" noChangeArrowheads="1"/>
           </p:cNvPicPr>
           <p:nvPr/>
         </p:nvPicPr>
@@ -6653,8 +6610,8 @@
         </p:blipFill>
         <p:spPr bwMode="auto">
           <a:xfrm>
-            <a:off x="611560" y="3212976"/>
-            <a:ext cx="6768752" cy="2651095"/>
+            <a:off x="5825282" y="1772816"/>
+            <a:ext cx="3120281" cy="2340211"/>
           </a:xfrm>
           <a:prstGeom prst="rect">
             <a:avLst/>
@@ -6671,10 +6628,51 @@
           </a:extLst>
         </p:spPr>
       </p:pic>
+      <p:pic>
+        <p:nvPicPr>
+          <p:cNvPr id="13316" name="Picture 4" descr="Image result for gradient descent"/>
+          <p:cNvPicPr>
+            <a:picLocks noChangeAspect="1" noChangeArrowheads="1"/>
+          </p:cNvPicPr>
+          <p:nvPr/>
+        </p:nvPicPr>
+        <p:blipFill>
+          <a:blip r:embed="rId3" cstate="print">
+            <a:extLst>
+              <a:ext uri="{28A0092B-C50C-407E-A947-70E740481C1C}">
+                <a14:useLocalDpi xmlns:a14="http://schemas.microsoft.com/office/drawing/2010/main" val="0"/>
+              </a:ext>
+            </a:extLst>
+          </a:blip>
+          <a:srcRect/>
+          <a:stretch>
+            <a:fillRect/>
+          </a:stretch>
+        </p:blipFill>
+        <p:spPr bwMode="auto">
+          <a:xfrm>
+            <a:off x="899592" y="3501008"/>
+            <a:ext cx="4577354" cy="2141810"/>
+          </a:xfrm>
+          <a:prstGeom prst="rect">
+            <a:avLst/>
+          </a:prstGeom>
+          <a:noFill/>
+          <a:extLst>
+            <a:ext uri="{909E8E84-426E-40DD-AFC4-6F175D3DCCD1}">
+              <a14:hiddenFill xmlns:a14="http://schemas.microsoft.com/office/drawing/2010/main">
+                <a:solidFill>
+                  <a:srgbClr val="FFFFFF"/>
+                </a:solidFill>
+              </a14:hiddenFill>
+            </a:ext>
+          </a:extLst>
+        </p:spPr>
+      </p:pic>
     </p:spTree>
     <p:extLst>
       <p:ext uri="{BB962C8B-B14F-4D97-AF65-F5344CB8AC3E}">
-        <p14:creationId xmlns:p14="http://schemas.microsoft.com/office/powerpoint/2010/main" val="540926501"/>
+        <p14:creationId xmlns:p14="http://schemas.microsoft.com/office/powerpoint/2010/main" val="3830766788"/>
       </p:ext>
     </p:extLst>
   </p:cSld>
@@ -6718,7 +6716,7 @@
           <a:p>
             <a:r>
               <a:rPr lang="fr-FR" dirty="0"/>
-              <a:t>Learning rate</a:t>
+              <a:t>La descente du gradient</a:t>
             </a:r>
           </a:p>
         </p:txBody>
@@ -6740,21 +6738,29 @@
           <a:p>
             <a:r>
               <a:rPr lang="fr-FR" dirty="0"/>
-              <a:t>Le taux d’apprentissage résout le problème des minimums locaux</a:t>
+              <a:t>La descente du gradient</a:t>
             </a:r>
           </a:p>
           <a:p>
             <a:pPr lvl="1"/>
             <a:r>
               <a:rPr lang="fr-FR" dirty="0"/>
-              <a:t>Entre 0.01 et 0.00001</a:t>
-            </a:r>
+              <a:t>Le changement de poids est alors effectué en remontant le réseaux</a:t>
+            </a:r>
+          </a:p>
+          <a:p>
+            <a:pPr lvl="1"/>
+            <a:r>
+              <a:rPr lang="fr-FR" dirty="0" err="1"/>
+              <a:t>Backpropagation</a:t>
+            </a:r>
+            <a:endParaRPr lang="fr-FR" dirty="0"/>
           </a:p>
         </p:txBody>
       </p:sp>
       <p:pic>
         <p:nvPicPr>
-          <p:cNvPr id="13314" name="Picture 2" descr="https://miro.medium.com/max/700/0*G8a4jCsMLJ7xNQNt.png"/>
+          <p:cNvPr id="5" name="Picture 8" descr="nn-calculation"/>
           <p:cNvPicPr>
             <a:picLocks noChangeAspect="1" noChangeArrowheads="1"/>
           </p:cNvPicPr>
@@ -6775,8 +6781,8 @@
         </p:blipFill>
         <p:spPr bwMode="auto">
           <a:xfrm>
-            <a:off x="5825282" y="1772816"/>
-            <a:ext cx="3120281" cy="2340211"/>
+            <a:off x="1067302" y="3284983"/>
+            <a:ext cx="3752373" cy="3030489"/>
           </a:xfrm>
           <a:prstGeom prst="rect">
             <a:avLst/>
@@ -6795,7 +6801,7 @@
       </p:pic>
       <p:pic>
         <p:nvPicPr>
-          <p:cNvPr id="13316" name="Picture 4" descr="Image result for gradient descent"/>
+          <p:cNvPr id="6" name="Picture 2" descr="https://miro.medium.com/max/2870/1*r_-1TKp8ylzWRl_ybjEhwA.png"/>
           <p:cNvPicPr>
             <a:picLocks noChangeAspect="1" noChangeArrowheads="1"/>
           </p:cNvPicPr>
@@ -6816,8 +6822,8 @@
         </p:blipFill>
         <p:spPr bwMode="auto">
           <a:xfrm>
-            <a:off x="899592" y="3501008"/>
-            <a:ext cx="4577354" cy="2141810"/>
+            <a:off x="5018112" y="4440829"/>
+            <a:ext cx="4125888" cy="718796"/>
           </a:xfrm>
           <a:prstGeom prst="rect">
             <a:avLst/>
@@ -6837,7 +6843,7 @@
     </p:spTree>
     <p:extLst>
       <p:ext uri="{BB962C8B-B14F-4D97-AF65-F5344CB8AC3E}">
-        <p14:creationId xmlns:p14="http://schemas.microsoft.com/office/powerpoint/2010/main" val="3830766788"/>
+        <p14:creationId xmlns:p14="http://schemas.microsoft.com/office/powerpoint/2010/main" val="2691581530"/>
       </p:ext>
     </p:extLst>
   </p:cSld>
@@ -6880,42 +6886,6 @@
           <a:lstStyle/>
           <a:p>
             <a:r>
-              <a:rPr lang="fr-FR" dirty="0"/>
-              <a:t>La descente du gradient</a:t>
-            </a:r>
-          </a:p>
-        </p:txBody>
-      </p:sp>
-      <p:sp>
-        <p:nvSpPr>
-          <p:cNvPr id="3" name="Espace réservé du contenu 2"/>
-          <p:cNvSpPr>
-            <a:spLocks noGrp="1"/>
-          </p:cNvSpPr>
-          <p:nvPr>
-            <p:ph idx="1"/>
-          </p:nvPr>
-        </p:nvSpPr>
-        <p:spPr/>
-        <p:txBody>
-          <a:bodyPr/>
-          <a:lstStyle/>
-          <a:p>
-            <a:r>
-              <a:rPr lang="fr-FR" dirty="0"/>
-              <a:t>La descente du gradient</a:t>
-            </a:r>
-          </a:p>
-          <a:p>
-            <a:pPr lvl="1"/>
-            <a:r>
-              <a:rPr lang="fr-FR" dirty="0"/>
-              <a:t>Le changement de poids est alors effectué en remontant le réseaux</a:t>
-            </a:r>
-          </a:p>
-          <a:p>
-            <a:pPr lvl="1"/>
-            <a:r>
               <a:rPr lang="fr-FR" dirty="0" err="1"/>
               <a:t>Backpropagation</a:t>
             </a:r>
@@ -6925,11 +6895,13 @@
       </p:sp>
       <p:pic>
         <p:nvPicPr>
-          <p:cNvPr id="5" name="Picture 8" descr="nn-calculation"/>
+          <p:cNvPr id="4098" name="Picture 2" descr="https://dpzbhybb2pdcj.cloudfront.net/allaire/Figures/01fig09.jpg"/>
           <p:cNvPicPr>
-            <a:picLocks noChangeAspect="1" noChangeArrowheads="1"/>
+            <a:picLocks noGrp="1" noChangeAspect="1" noChangeArrowheads="1"/>
           </p:cNvPicPr>
-          <p:nvPr/>
+          <p:nvPr>
+            <p:ph idx="1"/>
+          </p:nvPr>
         </p:nvPicPr>
         <p:blipFill>
           <a:blip r:embed="rId2">
@@ -6946,8 +6918,8 @@
         </p:blipFill>
         <p:spPr bwMode="auto">
           <a:xfrm>
-            <a:off x="1067302" y="3284983"/>
-            <a:ext cx="3752373" cy="3030489"/>
+            <a:off x="2798341" y="1772816"/>
+            <a:ext cx="4608512" cy="3657214"/>
           </a:xfrm>
           <a:prstGeom prst="rect">
             <a:avLst/>
@@ -6964,51 +6936,10 @@
           </a:extLst>
         </p:spPr>
       </p:pic>
-      <p:pic>
-        <p:nvPicPr>
-          <p:cNvPr id="6" name="Picture 2" descr="https://miro.medium.com/max/2870/1*r_-1TKp8ylzWRl_ybjEhwA.png"/>
-          <p:cNvPicPr>
-            <a:picLocks noChangeAspect="1" noChangeArrowheads="1"/>
-          </p:cNvPicPr>
-          <p:nvPr/>
-        </p:nvPicPr>
-        <p:blipFill>
-          <a:blip r:embed="rId3" cstate="print">
-            <a:extLst>
-              <a:ext uri="{28A0092B-C50C-407E-A947-70E740481C1C}">
-                <a14:useLocalDpi xmlns:a14="http://schemas.microsoft.com/office/drawing/2010/main" val="0"/>
-              </a:ext>
-            </a:extLst>
-          </a:blip>
-          <a:srcRect/>
-          <a:stretch>
-            <a:fillRect/>
-          </a:stretch>
-        </p:blipFill>
-        <p:spPr bwMode="auto">
-          <a:xfrm>
-            <a:off x="5018112" y="4440829"/>
-            <a:ext cx="4125888" cy="718796"/>
-          </a:xfrm>
-          <a:prstGeom prst="rect">
-            <a:avLst/>
-          </a:prstGeom>
-          <a:noFill/>
-          <a:extLst>
-            <a:ext uri="{909E8E84-426E-40DD-AFC4-6F175D3DCCD1}">
-              <a14:hiddenFill xmlns:a14="http://schemas.microsoft.com/office/drawing/2010/main">
-                <a:solidFill>
-                  <a:srgbClr val="FFFFFF"/>
-                </a:solidFill>
-              </a14:hiddenFill>
-            </a:ext>
-          </a:extLst>
-        </p:spPr>
-      </p:pic>
     </p:spTree>
     <p:extLst>
       <p:ext uri="{BB962C8B-B14F-4D97-AF65-F5344CB8AC3E}">
-        <p14:creationId xmlns:p14="http://schemas.microsoft.com/office/powerpoint/2010/main" val="2691581530"/>
+        <p14:creationId xmlns:p14="http://schemas.microsoft.com/office/powerpoint/2010/main" val="2578929874"/>
       </p:ext>
     </p:extLst>
   </p:cSld>
@@ -7052,21 +6983,105 @@
           <a:p>
             <a:r>
               <a:rPr lang="fr-FR" dirty="0" err="1"/>
-              <a:t>Backpropagation</a:t>
+              <a:t>Stochastic</a:t>
+            </a:r>
+            <a:r>
+              <a:rPr lang="fr-FR" dirty="0"/>
+              <a:t> Gradient </a:t>
+            </a:r>
+            <a:r>
+              <a:rPr lang="fr-FR" dirty="0" err="1"/>
+              <a:t>Based</a:t>
+            </a:r>
+            <a:r>
+              <a:rPr lang="fr-FR" dirty="0"/>
+              <a:t> </a:t>
+            </a:r>
+            <a:r>
+              <a:rPr lang="fr-FR" dirty="0" err="1"/>
+              <a:t>Optimizer</a:t>
             </a:r>
             <a:endParaRPr lang="fr-FR" dirty="0"/>
+          </a:p>
+        </p:txBody>
+      </p:sp>
+      <p:sp>
+        <p:nvSpPr>
+          <p:cNvPr id="3" name="Espace réservé du contenu 2"/>
+          <p:cNvSpPr>
+            <a:spLocks noGrp="1"/>
+          </p:cNvSpPr>
+          <p:nvPr>
+            <p:ph idx="1"/>
+          </p:nvPr>
+        </p:nvSpPr>
+        <p:spPr/>
+        <p:txBody>
+          <a:bodyPr/>
+          <a:lstStyle/>
+          <a:p>
+            <a:r>
+              <a:rPr lang="fr-FR" dirty="0"/>
+              <a:t>Ajout d’un moment et de la dérivé de la fonction d’activation dans le calcul de </a:t>
+            </a:r>
+            <a:r>
+              <a:rPr lang="fr-FR" dirty="0" err="1"/>
+              <a:t>dW</a:t>
+            </a:r>
+            <a:endParaRPr lang="fr-FR" dirty="0"/>
+          </a:p>
+          <a:p>
+            <a:pPr lvl="1"/>
+            <a:r>
+              <a:rPr lang="fr-FR" dirty="0" err="1"/>
+              <a:t>dW</a:t>
+            </a:r>
+            <a:r>
+              <a:rPr lang="fr-FR" dirty="0"/>
+              <a:t> = (</a:t>
+            </a:r>
+            <a:r>
+              <a:rPr lang="fr-FR" dirty="0" err="1"/>
+              <a:t>learningrate</a:t>
+            </a:r>
+            <a:r>
+              <a:rPr lang="fr-FR" dirty="0"/>
+              <a:t> * gradient(</a:t>
+            </a:r>
+            <a:r>
+              <a:rPr lang="fr-FR" dirty="0" err="1"/>
+              <a:t>loss</a:t>
+            </a:r>
+            <a:r>
+              <a:rPr lang="fr-FR" dirty="0"/>
+              <a:t>)) / (</a:t>
+            </a:r>
+            <a:r>
+              <a:rPr lang="fr-FR" dirty="0" err="1"/>
+              <a:t>df</a:t>
+            </a:r>
+            <a:r>
+              <a:rPr lang="fr-FR" dirty="0"/>
+              <a:t>(x) * </a:t>
+            </a:r>
+            <a:r>
+              <a:rPr lang="fr-FR" dirty="0" err="1"/>
+              <a:t>momentum</a:t>
+            </a:r>
+            <a:r>
+              <a:rPr lang="fr-FR" dirty="0"/>
+              <a:t>)</a:t>
+            </a:r>
           </a:p>
         </p:txBody>
       </p:sp>
       <p:pic>
         <p:nvPicPr>
-          <p:cNvPr id="4098" name="Picture 2" descr="https://dpzbhybb2pdcj.cloudfront.net/allaire/Figures/01fig09.jpg"/>
+          <p:cNvPr id="6" name="Picture 2" descr="https://dpzbhybb2pdcj.cloudfront.net/allaire/Figures/02fig10.jpg"/>
           <p:cNvPicPr>
-            <a:picLocks noGrp="1" noChangeAspect="1" noChangeArrowheads="1"/>
+            <a:picLocks noChangeAspect="1" noChangeArrowheads="1"/>
           </p:cNvPicPr>
-          <p:nvPr>
-            <p:ph idx="1"/>
-          </p:nvPr>
+          <p:nvPr/>
         </p:nvPicPr>
         <p:blipFill>
           <a:blip r:embed="rId2">
@@ -7083,13 +7098,16 @@
         </p:blipFill>
         <p:spPr bwMode="auto">
           <a:xfrm>
-            <a:off x="2798341" y="1772816"/>
-            <a:ext cx="4608512" cy="3657214"/>
+            <a:off x="3203848" y="3212976"/>
+            <a:ext cx="2869743" cy="2189416"/>
           </a:xfrm>
           <a:prstGeom prst="rect">
             <a:avLst/>
           </a:prstGeom>
           <a:noFill/>
+          <a:ln>
+            <a:noFill/>
+          </a:ln>
           <a:extLst>
             <a:ext uri="{909E8E84-426E-40DD-AFC4-6F175D3DCCD1}">
               <a14:hiddenFill xmlns:a14="http://schemas.microsoft.com/office/drawing/2010/main">
@@ -7097,6 +7115,16 @@
                   <a:srgbClr val="FFFFFF"/>
                 </a:solidFill>
               </a14:hiddenFill>
+            </a:ext>
+            <a:ext uri="{91240B29-F687-4F45-9708-019B960494DF}">
+              <a14:hiddenLine xmlns:a14="http://schemas.microsoft.com/office/drawing/2010/main" w="9525">
+                <a:solidFill>
+                  <a:srgbClr val="000000"/>
+                </a:solidFill>
+                <a:miter lim="800000"/>
+                <a:headEnd/>
+                <a:tailEnd/>
+              </a14:hiddenLine>
             </a:ext>
           </a:extLst>
         </p:spPr>
@@ -7104,7 +7132,7 @@
     </p:spTree>
     <p:extLst>
       <p:ext uri="{BB962C8B-B14F-4D97-AF65-F5344CB8AC3E}">
-        <p14:creationId xmlns:p14="http://schemas.microsoft.com/office/powerpoint/2010/main" val="2578929874"/>
+        <p14:creationId xmlns:p14="http://schemas.microsoft.com/office/powerpoint/2010/main" val="4230464150"/>
       </p:ext>
     </p:extLst>
   </p:cSld>
@@ -7147,26 +7175,9 @@
           <a:lstStyle/>
           <a:p>
             <a:r>
-              <a:rPr lang="fr-FR" dirty="0" err="1"/>
-              <a:t>Stochastic</a:t>
-            </a:r>
-            <a:r>
-              <a:rPr lang="fr-FR" dirty="0"/>
-              <a:t> Gradient </a:t>
-            </a:r>
-            <a:r>
-              <a:rPr lang="fr-FR" dirty="0" err="1"/>
-              <a:t>Based</a:t>
-            </a:r>
-            <a:r>
-              <a:rPr lang="fr-FR" dirty="0"/>
-              <a:t> </a:t>
-            </a:r>
-            <a:r>
-              <a:rPr lang="fr-FR" dirty="0" err="1"/>
-              <a:t>Optimizer</a:t>
-            </a:r>
-            <a:endParaRPr lang="fr-FR" dirty="0"/>
+              <a:rPr lang="fr-FR" dirty="0"/>
+              <a:t>MLP Complexes</a:t>
+            </a:r>
           </a:p>
         </p:txBody>
       </p:sp>
@@ -7187,62 +7198,14 @@
           <a:p>
             <a:r>
               <a:rPr lang="fr-FR" dirty="0"/>
-              <a:t>Ajout d’un moment et de la dérivé de la fonction d’activation dans le calcul de </a:t>
-            </a:r>
-            <a:r>
-              <a:rPr lang="fr-FR" dirty="0" err="1"/>
-              <a:t>dW</a:t>
-            </a:r>
-            <a:endParaRPr lang="fr-FR" dirty="0"/>
-          </a:p>
-          <a:p>
-            <a:pPr lvl="1"/>
-            <a:r>
-              <a:rPr lang="fr-FR" dirty="0" err="1"/>
-              <a:t>dW</a:t>
-            </a:r>
-            <a:r>
-              <a:rPr lang="fr-FR" dirty="0"/>
-              <a:t> = (</a:t>
-            </a:r>
-            <a:r>
-              <a:rPr lang="fr-FR" dirty="0" err="1"/>
-              <a:t>learningrate</a:t>
-            </a:r>
-            <a:r>
-              <a:rPr lang="fr-FR" dirty="0"/>
-              <a:t> * gradient(</a:t>
-            </a:r>
-            <a:r>
-              <a:rPr lang="fr-FR" dirty="0" err="1"/>
-              <a:t>loss</a:t>
-            </a:r>
-            <a:r>
-              <a:rPr lang="fr-FR" dirty="0"/>
-              <a:t>)) / (</a:t>
-            </a:r>
-            <a:r>
-              <a:rPr lang="fr-FR" dirty="0" err="1"/>
-              <a:t>df</a:t>
-            </a:r>
-            <a:r>
-              <a:rPr lang="fr-FR" dirty="0"/>
-              <a:t>(x) * </a:t>
-            </a:r>
-            <a:r>
-              <a:rPr lang="fr-FR" dirty="0" err="1"/>
-              <a:t>momentum</a:t>
-            </a:r>
-            <a:r>
-              <a:rPr lang="fr-FR" dirty="0"/>
-              <a:t>)</a:t>
+              <a:t>Les réseaux peuvent être complexes</a:t>
             </a:r>
           </a:p>
         </p:txBody>
       </p:sp>
       <p:pic>
         <p:nvPicPr>
-          <p:cNvPr id="6" name="Picture 2" descr="https://dpzbhybb2pdcj.cloudfront.net/allaire/Figures/02fig10.jpg"/>
+          <p:cNvPr id="4" name="Picture 16" descr="Résultat de recherche d'images pour &quot;multi layer perceptron inference animated gif&quot;"/>
           <p:cNvPicPr>
             <a:picLocks noChangeAspect="1" noChangeArrowheads="1"/>
           </p:cNvPicPr>
@@ -7263,16 +7226,13 @@
         </p:blipFill>
         <p:spPr bwMode="auto">
           <a:xfrm>
-            <a:off x="3203848" y="3212976"/>
-            <a:ext cx="2869743" cy="2189416"/>
+            <a:off x="1979712" y="1916832"/>
+            <a:ext cx="5273934" cy="4428753"/>
           </a:xfrm>
           <a:prstGeom prst="rect">
             <a:avLst/>
           </a:prstGeom>
           <a:noFill/>
-          <a:ln>
-            <a:noFill/>
-          </a:ln>
           <a:extLst>
             <a:ext uri="{909E8E84-426E-40DD-AFC4-6F175D3DCCD1}">
               <a14:hiddenFill xmlns:a14="http://schemas.microsoft.com/office/drawing/2010/main">
@@ -7280,16 +7240,6 @@
                   <a:srgbClr val="FFFFFF"/>
                 </a:solidFill>
               </a14:hiddenFill>
-            </a:ext>
-            <a:ext uri="{91240B29-F687-4F45-9708-019B960494DF}">
-              <a14:hiddenLine xmlns:a14="http://schemas.microsoft.com/office/drawing/2010/main" w="9525">
-                <a:solidFill>
-                  <a:srgbClr val="000000"/>
-                </a:solidFill>
-                <a:miter lim="800000"/>
-                <a:headEnd/>
-                <a:tailEnd/>
-              </a14:hiddenLine>
             </a:ext>
           </a:extLst>
         </p:spPr>
@@ -7297,7 +7247,7 @@
     </p:spTree>
     <p:extLst>
       <p:ext uri="{BB962C8B-B14F-4D97-AF65-F5344CB8AC3E}">
-        <p14:creationId xmlns:p14="http://schemas.microsoft.com/office/powerpoint/2010/main" val="4230464150"/>
+        <p14:creationId xmlns:p14="http://schemas.microsoft.com/office/powerpoint/2010/main" val="651947342"/>
       </p:ext>
     </p:extLst>
   </p:cSld>
@@ -7341,7 +7291,7 @@
           <a:p>
             <a:r>
               <a:rPr lang="fr-FR" dirty="0"/>
-              <a:t>MLP Complexes</a:t>
+              <a:t>Coût</a:t>
             </a:r>
           </a:p>
         </p:txBody>
@@ -7356,28 +7306,47 @@
             <p:ph idx="1"/>
           </p:nvPr>
         </p:nvSpPr>
-        <p:spPr/>
+        <p:spPr>
+          <a:xfrm>
+            <a:off x="179513" y="1412776"/>
+            <a:ext cx="7056784" cy="5040560"/>
+          </a:xfrm>
+        </p:spPr>
         <p:txBody>
           <a:bodyPr/>
           <a:lstStyle/>
           <a:p>
             <a:r>
               <a:rPr lang="fr-FR" dirty="0"/>
-              <a:t>Les réseaux peuvent être complexes</a:t>
+              <a:t>Très couteux</a:t>
+            </a:r>
+          </a:p>
+          <a:p>
+            <a:pPr lvl="1"/>
+            <a:r>
+              <a:rPr lang="fr-FR" dirty="0"/>
+              <a:t>Mais donne de très bon résultats</a:t>
+            </a:r>
+          </a:p>
+          <a:p>
+            <a:pPr lvl="1"/>
+            <a:r>
+              <a:rPr lang="fr-FR" dirty="0"/>
+              <a:t>Maitrise l’addition sur 4 bits avec 145 neurones et 100 itérations</a:t>
             </a:r>
           </a:p>
         </p:txBody>
       </p:sp>
       <p:pic>
         <p:nvPicPr>
-          <p:cNvPr id="4" name="Picture 16" descr="Résultat de recherche d'images pour &quot;multi layer perceptron inference animated gif&quot;"/>
+          <p:cNvPr id="3074" name="Picture 2" descr="../_images/multilayerperceptron_network.png"/>
           <p:cNvPicPr>
             <a:picLocks noChangeAspect="1" noChangeArrowheads="1"/>
           </p:cNvPicPr>
           <p:nvPr/>
         </p:nvPicPr>
         <p:blipFill>
-          <a:blip r:embed="rId2">
+          <a:blip r:embed="rId2" cstate="print">
             <a:extLst>
               <a:ext uri="{28A0092B-C50C-407E-A947-70E740481C1C}">
                 <a14:useLocalDpi xmlns:a14="http://schemas.microsoft.com/office/drawing/2010/main" val="0"/>
@@ -7391,8 +7360,8 @@
         </p:blipFill>
         <p:spPr bwMode="auto">
           <a:xfrm>
-            <a:off x="1979712" y="1916832"/>
-            <a:ext cx="5273934" cy="4428753"/>
+            <a:off x="6863081" y="2132856"/>
+            <a:ext cx="2088232" cy="2269585"/>
           </a:xfrm>
           <a:prstGeom prst="rect">
             <a:avLst/>
@@ -7412,7 +7381,7 @@
     </p:spTree>
     <p:extLst>
       <p:ext uri="{BB962C8B-B14F-4D97-AF65-F5344CB8AC3E}">
-        <p14:creationId xmlns:p14="http://schemas.microsoft.com/office/powerpoint/2010/main" val="651947342"/>
+        <p14:creationId xmlns:p14="http://schemas.microsoft.com/office/powerpoint/2010/main" val="1268887621"/>
       </p:ext>
     </p:extLst>
   </p:cSld>
@@ -7456,7 +7425,7 @@
           <a:p>
             <a:r>
               <a:rPr lang="fr-FR" dirty="0"/>
-              <a:t>Coût</a:t>
+              <a:t>Asymétrie</a:t>
             </a:r>
           </a:p>
         </p:txBody>
@@ -7471,82 +7440,48 @@
             <p:ph idx="1"/>
           </p:nvPr>
         </p:nvSpPr>
-        <p:spPr>
-          <a:xfrm>
-            <a:off x="179513" y="1412776"/>
-            <a:ext cx="7056784" cy="5040560"/>
-          </a:xfrm>
-        </p:spPr>
+        <p:spPr/>
         <p:txBody>
           <a:bodyPr/>
           <a:lstStyle/>
           <a:p>
             <a:r>
               <a:rPr lang="fr-FR" dirty="0"/>
-              <a:t>Très couteux</a:t>
-            </a:r>
+              <a:t>Les réseaux neuronaux sont </a:t>
+            </a:r>
+            <a:r>
+              <a:rPr lang="fr-FR"/>
+              <a:t>des modèles asymétriques</a:t>
+            </a:r>
+            <a:endParaRPr lang="fr-FR" dirty="0"/>
           </a:p>
           <a:p>
             <a:pPr lvl="1"/>
             <a:r>
               <a:rPr lang="fr-FR" dirty="0"/>
-              <a:t>Mais donne de très bon résultats</a:t>
+              <a:t>Apprentissage couteux</a:t>
             </a:r>
           </a:p>
           <a:p>
             <a:pPr lvl="1"/>
             <a:r>
               <a:rPr lang="fr-FR" dirty="0"/>
-              <a:t>Maitrise l’addition sur 4 bits avec 145 neurones et 100 itérations</a:t>
+              <a:t>Prédiction rapide</a:t>
+            </a:r>
+          </a:p>
+          <a:p>
+            <a:pPr lvl="1"/>
+            <a:r>
+              <a:rPr lang="fr-FR" dirty="0"/>
+              <a:t>Très utile</a:t>
             </a:r>
           </a:p>
         </p:txBody>
       </p:sp>
-      <p:pic>
-        <p:nvPicPr>
-          <p:cNvPr id="3074" name="Picture 2" descr="../_images/multilayerperceptron_network.png"/>
-          <p:cNvPicPr>
-            <a:picLocks noChangeAspect="1" noChangeArrowheads="1"/>
-          </p:cNvPicPr>
-          <p:nvPr/>
-        </p:nvPicPr>
-        <p:blipFill>
-          <a:blip r:embed="rId2" cstate="print">
-            <a:extLst>
-              <a:ext uri="{28A0092B-C50C-407E-A947-70E740481C1C}">
-                <a14:useLocalDpi xmlns:a14="http://schemas.microsoft.com/office/drawing/2010/main" val="0"/>
-              </a:ext>
-            </a:extLst>
-          </a:blip>
-          <a:srcRect/>
-          <a:stretch>
-            <a:fillRect/>
-          </a:stretch>
-        </p:blipFill>
-        <p:spPr bwMode="auto">
-          <a:xfrm>
-            <a:off x="6863081" y="2132856"/>
-            <a:ext cx="2088232" cy="2269585"/>
-          </a:xfrm>
-          <a:prstGeom prst="rect">
-            <a:avLst/>
-          </a:prstGeom>
-          <a:noFill/>
-          <a:extLst>
-            <a:ext uri="{909E8E84-426E-40DD-AFC4-6F175D3DCCD1}">
-              <a14:hiddenFill xmlns:a14="http://schemas.microsoft.com/office/drawing/2010/main">
-                <a:solidFill>
-                  <a:srgbClr val="FFFFFF"/>
-                </a:solidFill>
-              </a14:hiddenFill>
-            </a:ext>
-          </a:extLst>
-        </p:spPr>
-      </p:pic>
     </p:spTree>
     <p:extLst>
       <p:ext uri="{BB962C8B-B14F-4D97-AF65-F5344CB8AC3E}">
-        <p14:creationId xmlns:p14="http://schemas.microsoft.com/office/powerpoint/2010/main" val="1268887621"/>
+        <p14:creationId xmlns:p14="http://schemas.microsoft.com/office/powerpoint/2010/main" val="1946835064"/>
       </p:ext>
     </p:extLst>
   </p:cSld>
@@ -7590,7 +7525,7 @@
           <a:p>
             <a:r>
               <a:rPr lang="fr-FR" dirty="0"/>
-              <a:t>Asymétrie</a:t>
+              <a:t>Topologie</a:t>
             </a:r>
           </a:p>
         </p:txBody>
@@ -7612,33 +7547,48 @@
           <a:p>
             <a:r>
               <a:rPr lang="fr-FR" dirty="0"/>
-              <a:t>Les réseaux neuronaux sont </a:t>
-            </a:r>
-            <a:r>
-              <a:rPr lang="fr-FR"/>
-              <a:t>des modèles asymétriques</a:t>
-            </a:r>
-            <a:endParaRPr lang="fr-FR" dirty="0"/>
+              <a:t>Plus réseau est profond plus il nécessite de données</a:t>
+            </a:r>
           </a:p>
           <a:p>
             <a:pPr lvl="1"/>
             <a:r>
               <a:rPr lang="fr-FR" dirty="0"/>
-              <a:t>Apprentissage couteux</a:t>
+              <a:t>Pas de goulot d’étranglement</a:t>
             </a:r>
           </a:p>
           <a:p>
             <a:pPr lvl="1"/>
             <a:r>
               <a:rPr lang="fr-FR" dirty="0"/>
-              <a:t>Prédiction rapide</a:t>
+              <a:t>Largeur inférieur aux inputs et outputs (sauf </a:t>
+            </a:r>
+            <a:r>
+              <a:rPr lang="fr-FR" dirty="0" err="1"/>
+              <a:t>DropOut</a:t>
+            </a:r>
+            <a:r>
+              <a:rPr lang="fr-FR" dirty="0"/>
+              <a:t>)</a:t>
             </a:r>
           </a:p>
           <a:p>
             <a:pPr lvl="1"/>
             <a:r>
-              <a:rPr lang="fr-FR" dirty="0"/>
-              <a:t>Très utile</a:t>
+              <a:rPr lang="fr-FR" dirty="0" err="1"/>
+              <a:t>Nb_max_hidden_layer</a:t>
+            </a:r>
+            <a:r>
+              <a:rPr lang="fr-FR" dirty="0"/>
+              <a:t> ~= log(</a:t>
+            </a:r>
+            <a:r>
+              <a:rPr lang="fr-FR" dirty="0" err="1"/>
+              <a:t>len</a:t>
+            </a:r>
+            <a:r>
+              <a:rPr lang="fr-FR" dirty="0"/>
+              <a:t>(dataset))</a:t>
             </a:r>
           </a:p>
         </p:txBody>
@@ -7646,7 +7596,7 @@
     </p:spTree>
     <p:extLst>
       <p:ext uri="{BB962C8B-B14F-4D97-AF65-F5344CB8AC3E}">
-        <p14:creationId xmlns:p14="http://schemas.microsoft.com/office/powerpoint/2010/main" val="1946835064"/>
+        <p14:creationId xmlns:p14="http://schemas.microsoft.com/office/powerpoint/2010/main" val="1975527777"/>
       </p:ext>
     </p:extLst>
   </p:cSld>
@@ -7765,121 +7715,6 @@
     <p:extLst>
       <p:ext uri="{BB962C8B-B14F-4D97-AF65-F5344CB8AC3E}">
         <p14:creationId xmlns:p14="http://schemas.microsoft.com/office/powerpoint/2010/main" val="2196385036"/>
-      </p:ext>
-    </p:extLst>
-  </p:cSld>
-  <p:clrMapOvr>
-    <a:masterClrMapping/>
-  </p:clrMapOvr>
-</p:sld>
-</file>
-
-<file path=ppt/slides/slide30.xml><?xml version="1.0" encoding="utf-8"?>
-<p:sld xmlns:a="http://schemas.openxmlformats.org/drawingml/2006/main" xmlns:r="http://schemas.openxmlformats.org/officeDocument/2006/relationships" xmlns:p="http://schemas.openxmlformats.org/presentationml/2006/main">
-  <p:cSld>
-    <p:spTree>
-      <p:nvGrpSpPr>
-        <p:cNvPr id="1" name=""/>
-        <p:cNvGrpSpPr/>
-        <p:nvPr/>
-      </p:nvGrpSpPr>
-      <p:grpSpPr>
-        <a:xfrm>
-          <a:off x="0" y="0"/>
-          <a:ext cx="0" cy="0"/>
-          <a:chOff x="0" y="0"/>
-          <a:chExt cx="0" cy="0"/>
-        </a:xfrm>
-      </p:grpSpPr>
-      <p:sp>
-        <p:nvSpPr>
-          <p:cNvPr id="2" name="Titre 1"/>
-          <p:cNvSpPr>
-            <a:spLocks noGrp="1"/>
-          </p:cNvSpPr>
-          <p:nvPr>
-            <p:ph type="title"/>
-          </p:nvPr>
-        </p:nvSpPr>
-        <p:spPr/>
-        <p:txBody>
-          <a:bodyPr/>
-          <a:lstStyle/>
-          <a:p>
-            <a:r>
-              <a:rPr lang="fr-FR" dirty="0"/>
-              <a:t>Topologie</a:t>
-            </a:r>
-          </a:p>
-        </p:txBody>
-      </p:sp>
-      <p:sp>
-        <p:nvSpPr>
-          <p:cNvPr id="3" name="Espace réservé du contenu 2"/>
-          <p:cNvSpPr>
-            <a:spLocks noGrp="1"/>
-          </p:cNvSpPr>
-          <p:nvPr>
-            <p:ph idx="1"/>
-          </p:nvPr>
-        </p:nvSpPr>
-        <p:spPr/>
-        <p:txBody>
-          <a:bodyPr/>
-          <a:lstStyle/>
-          <a:p>
-            <a:r>
-              <a:rPr lang="fr-FR" dirty="0"/>
-              <a:t>Plus réseau est profond plus il nécessite de données</a:t>
-            </a:r>
-          </a:p>
-          <a:p>
-            <a:pPr lvl="1"/>
-            <a:r>
-              <a:rPr lang="fr-FR" dirty="0"/>
-              <a:t>Pas de goulot d’étranglement</a:t>
-            </a:r>
-          </a:p>
-          <a:p>
-            <a:pPr lvl="1"/>
-            <a:r>
-              <a:rPr lang="fr-FR" dirty="0"/>
-              <a:t>Largeur inférieur aux inputs et outputs (sauf </a:t>
-            </a:r>
-            <a:r>
-              <a:rPr lang="fr-FR" dirty="0" err="1"/>
-              <a:t>DropOut</a:t>
-            </a:r>
-            <a:r>
-              <a:rPr lang="fr-FR" dirty="0"/>
-              <a:t>)</a:t>
-            </a:r>
-          </a:p>
-          <a:p>
-            <a:pPr lvl="1"/>
-            <a:r>
-              <a:rPr lang="fr-FR" dirty="0" err="1"/>
-              <a:t>Nb_max_hidden_layer</a:t>
-            </a:r>
-            <a:r>
-              <a:rPr lang="fr-FR" dirty="0"/>
-              <a:t> ~= log(</a:t>
-            </a:r>
-            <a:r>
-              <a:rPr lang="fr-FR" dirty="0" err="1"/>
-              <a:t>len</a:t>
-            </a:r>
-            <a:r>
-              <a:rPr lang="fr-FR" dirty="0"/>
-              <a:t>(dataset))</a:t>
-            </a:r>
-          </a:p>
-        </p:txBody>
-      </p:sp>
-    </p:spTree>
-    <p:extLst>
-      <p:ext uri="{BB962C8B-B14F-4D97-AF65-F5344CB8AC3E}">
-        <p14:creationId xmlns:p14="http://schemas.microsoft.com/office/powerpoint/2010/main" val="1975527777"/>
       </p:ext>
     </p:extLst>
   </p:cSld>
